--- a/Design.pptx
+++ b/Design.pptx
@@ -8,8 +8,9 @@
     <p:sldId id="256" r:id="rId2"/>
     <p:sldId id="257" r:id="rId3"/>
     <p:sldId id="258" r:id="rId4"/>
-    <p:sldId id="259" r:id="rId5"/>
-    <p:sldId id="260" r:id="rId6"/>
+    <p:sldId id="261" r:id="rId5"/>
+    <p:sldId id="259" r:id="rId6"/>
+    <p:sldId id="260" r:id="rId7"/>
   </p:sldIdLst>
   <p:sldSz cx="12192000" cy="6858000"/>
   <p:notesSz cx="6858000" cy="9144000"/>
@@ -265,7 +266,7 @@
           <a:p>
             <a:fld id="{313DFD3D-8454-44C4-8E36-B6E6834E4DB9}" type="datetimeFigureOut">
               <a:rPr lang="en-IN" smtClean="0"/>
-              <a:t>20-04-2021</a:t>
+              <a:t>28-06-2021</a:t>
             </a:fld>
             <a:endParaRPr lang="en-IN"/>
           </a:p>
@@ -465,7 +466,7 @@
           <a:p>
             <a:fld id="{313DFD3D-8454-44C4-8E36-B6E6834E4DB9}" type="datetimeFigureOut">
               <a:rPr lang="en-IN" smtClean="0"/>
-              <a:t>20-04-2021</a:t>
+              <a:t>28-06-2021</a:t>
             </a:fld>
             <a:endParaRPr lang="en-IN"/>
           </a:p>
@@ -675,7 +676,7 @@
           <a:p>
             <a:fld id="{313DFD3D-8454-44C4-8E36-B6E6834E4DB9}" type="datetimeFigureOut">
               <a:rPr lang="en-IN" smtClean="0"/>
-              <a:t>20-04-2021</a:t>
+              <a:t>28-06-2021</a:t>
             </a:fld>
             <a:endParaRPr lang="en-IN"/>
           </a:p>
@@ -875,7 +876,7 @@
           <a:p>
             <a:fld id="{313DFD3D-8454-44C4-8E36-B6E6834E4DB9}" type="datetimeFigureOut">
               <a:rPr lang="en-IN" smtClean="0"/>
-              <a:t>20-04-2021</a:t>
+              <a:t>28-06-2021</a:t>
             </a:fld>
             <a:endParaRPr lang="en-IN"/>
           </a:p>
@@ -1151,7 +1152,7 @@
           <a:p>
             <a:fld id="{313DFD3D-8454-44C4-8E36-B6E6834E4DB9}" type="datetimeFigureOut">
               <a:rPr lang="en-IN" smtClean="0"/>
-              <a:t>20-04-2021</a:t>
+              <a:t>28-06-2021</a:t>
             </a:fld>
             <a:endParaRPr lang="en-IN"/>
           </a:p>
@@ -1419,7 +1420,7 @@
           <a:p>
             <a:fld id="{313DFD3D-8454-44C4-8E36-B6E6834E4DB9}" type="datetimeFigureOut">
               <a:rPr lang="en-IN" smtClean="0"/>
-              <a:t>20-04-2021</a:t>
+              <a:t>28-06-2021</a:t>
             </a:fld>
             <a:endParaRPr lang="en-IN"/>
           </a:p>
@@ -1834,7 +1835,7 @@
           <a:p>
             <a:fld id="{313DFD3D-8454-44C4-8E36-B6E6834E4DB9}" type="datetimeFigureOut">
               <a:rPr lang="en-IN" smtClean="0"/>
-              <a:t>20-04-2021</a:t>
+              <a:t>28-06-2021</a:t>
             </a:fld>
             <a:endParaRPr lang="en-IN"/>
           </a:p>
@@ -1976,7 +1977,7 @@
           <a:p>
             <a:fld id="{313DFD3D-8454-44C4-8E36-B6E6834E4DB9}" type="datetimeFigureOut">
               <a:rPr lang="en-IN" smtClean="0"/>
-              <a:t>20-04-2021</a:t>
+              <a:t>28-06-2021</a:t>
             </a:fld>
             <a:endParaRPr lang="en-IN"/>
           </a:p>
@@ -2089,7 +2090,7 @@
           <a:p>
             <a:fld id="{313DFD3D-8454-44C4-8E36-B6E6834E4DB9}" type="datetimeFigureOut">
               <a:rPr lang="en-IN" smtClean="0"/>
-              <a:t>20-04-2021</a:t>
+              <a:t>28-06-2021</a:t>
             </a:fld>
             <a:endParaRPr lang="en-IN"/>
           </a:p>
@@ -2402,7 +2403,7 @@
           <a:p>
             <a:fld id="{313DFD3D-8454-44C4-8E36-B6E6834E4DB9}" type="datetimeFigureOut">
               <a:rPr lang="en-IN" smtClean="0"/>
-              <a:t>20-04-2021</a:t>
+              <a:t>28-06-2021</a:t>
             </a:fld>
             <a:endParaRPr lang="en-IN"/>
           </a:p>
@@ -2691,7 +2692,7 @@
           <a:p>
             <a:fld id="{313DFD3D-8454-44C4-8E36-B6E6834E4DB9}" type="datetimeFigureOut">
               <a:rPr lang="en-IN" smtClean="0"/>
-              <a:t>20-04-2021</a:t>
+              <a:t>28-06-2021</a:t>
             </a:fld>
             <a:endParaRPr lang="en-IN"/>
           </a:p>
@@ -2934,7 +2935,7 @@
           <a:p>
             <a:fld id="{313DFD3D-8454-44C4-8E36-B6E6834E4DB9}" type="datetimeFigureOut">
               <a:rPr lang="en-IN" smtClean="0"/>
-              <a:t>20-04-2021</a:t>
+              <a:t>28-06-2021</a:t>
             </a:fld>
             <a:endParaRPr lang="en-IN"/>
           </a:p>
@@ -13854,6 +13855,135 @@
           <p:cNvPr id="2" name="Title 1">
             <a:extLst>
               <a:ext uri="{FF2B5EF4-FFF2-40B4-BE49-F238E27FC236}">
+                <a16:creationId xmlns:a16="http://schemas.microsoft.com/office/drawing/2014/main" id="{1B4A2B9F-815A-4C7F-9709-BE4153355F38}"/>
+              </a:ext>
+            </a:extLst>
+          </p:cNvPr>
+          <p:cNvSpPr>
+            <a:spLocks noGrp="1"/>
+          </p:cNvSpPr>
+          <p:nvPr>
+            <p:ph type="title"/>
+          </p:nvPr>
+        </p:nvSpPr>
+        <p:spPr/>
+        <p:txBody>
+          <a:bodyPr/>
+          <a:lstStyle/>
+          <a:p>
+            <a:endParaRPr lang="en-IN"/>
+          </a:p>
+        </p:txBody>
+      </p:sp>
+      <p:sp>
+        <p:nvSpPr>
+          <p:cNvPr id="3" name="Content Placeholder 2">
+            <a:extLst>
+              <a:ext uri="{FF2B5EF4-FFF2-40B4-BE49-F238E27FC236}">
+                <a16:creationId xmlns:a16="http://schemas.microsoft.com/office/drawing/2014/main" id="{3907A48F-AF73-4D8A-B640-BE4BCCAA520F}"/>
+              </a:ext>
+            </a:extLst>
+          </p:cNvPr>
+          <p:cNvSpPr>
+            <a:spLocks noGrp="1"/>
+          </p:cNvSpPr>
+          <p:nvPr>
+            <p:ph idx="1"/>
+          </p:nvPr>
+        </p:nvSpPr>
+        <p:spPr/>
+        <p:txBody>
+          <a:bodyPr/>
+          <a:lstStyle/>
+          <a:p>
+            <a:endParaRPr lang="en-IN"/>
+          </a:p>
+        </p:txBody>
+      </p:sp>
+      <p:sp>
+        <p:nvSpPr>
+          <p:cNvPr id="4" name="Rectangle 3">
+            <a:extLst>
+              <a:ext uri="{FF2B5EF4-FFF2-40B4-BE49-F238E27FC236}">
+                <a16:creationId xmlns:a16="http://schemas.microsoft.com/office/drawing/2014/main" id="{EAD1ACEC-8C0A-4934-A488-E639692536AB}"/>
+              </a:ext>
+            </a:extLst>
+          </p:cNvPr>
+          <p:cNvSpPr/>
+          <p:nvPr/>
+        </p:nvSpPr>
+        <p:spPr>
+          <a:xfrm>
+            <a:off x="0" y="0"/>
+            <a:ext cx="12192000" cy="6858000"/>
+          </a:xfrm>
+          <a:prstGeom prst="rect">
+            <a:avLst/>
+          </a:prstGeom>
+          <a:solidFill>
+            <a:srgbClr val="002060"/>
+          </a:solidFill>
+        </p:spPr>
+        <p:style>
+          <a:lnRef idx="2">
+            <a:schemeClr val="accent1">
+              <a:shade val="50000"/>
+            </a:schemeClr>
+          </a:lnRef>
+          <a:fillRef idx="1">
+            <a:schemeClr val="accent1"/>
+          </a:fillRef>
+          <a:effectRef idx="0">
+            <a:schemeClr val="accent1"/>
+          </a:effectRef>
+          <a:fontRef idx="minor">
+            <a:schemeClr val="lt1"/>
+          </a:fontRef>
+        </p:style>
+        <p:txBody>
+          <a:bodyPr rtlCol="0" anchor="ctr"/>
+          <a:lstStyle/>
+          <a:p>
+            <a:pPr algn="ctr"/>
+            <a:endParaRPr lang="en-IN"/>
+          </a:p>
+        </p:txBody>
+      </p:sp>
+    </p:spTree>
+    <p:extLst>
+      <p:ext uri="{BB962C8B-B14F-4D97-AF65-F5344CB8AC3E}">
+        <p14:creationId xmlns:p14="http://schemas.microsoft.com/office/powerpoint/2010/main" val="2680063617"/>
+      </p:ext>
+    </p:extLst>
+  </p:cSld>
+  <p:clrMapOvr>
+    <a:masterClrMapping/>
+  </p:clrMapOvr>
+</p:sld>
+</file>
+
+<file path=ppt/slides/slide5.xml><?xml version="1.0" encoding="utf-8"?>
+<p:sld xmlns:a="http://schemas.openxmlformats.org/drawingml/2006/main" xmlns:r="http://schemas.openxmlformats.org/officeDocument/2006/relationships" xmlns:p="http://schemas.openxmlformats.org/presentationml/2006/main">
+  <p:cSld>
+    <p:spTree>
+      <p:nvGrpSpPr>
+        <p:cNvPr id="1" name=""/>
+        <p:cNvGrpSpPr/>
+        <p:nvPr/>
+      </p:nvGrpSpPr>
+      <p:grpSpPr>
+        <a:xfrm>
+          <a:off x="0" y="0"/>
+          <a:ext cx="0" cy="0"/>
+          <a:chOff x="0" y="0"/>
+          <a:chExt cx="0" cy="0"/>
+        </a:xfrm>
+      </p:grpSpPr>
+      <p:sp>
+        <p:nvSpPr>
+          <p:cNvPr id="2" name="Title 1">
+            <a:extLst>
+              <a:ext uri="{FF2B5EF4-FFF2-40B4-BE49-F238E27FC236}">
                 <a16:creationId xmlns:a16="http://schemas.microsoft.com/office/drawing/2014/main" id="{962A8C49-AA7C-40EA-98BE-9D87222BBFAE}"/>
               </a:ext>
             </a:extLst>
@@ -16846,7 +16976,7 @@
 </p:sld>
 </file>
 
-<file path=ppt/slides/slide5.xml><?xml version="1.0" encoding="utf-8"?>
+<file path=ppt/slides/slide6.xml><?xml version="1.0" encoding="utf-8"?>
 <p:sld xmlns:a="http://schemas.openxmlformats.org/drawingml/2006/main" xmlns:r="http://schemas.openxmlformats.org/officeDocument/2006/relationships" xmlns:p="http://schemas.openxmlformats.org/presentationml/2006/main">
   <p:cSld>
     <p:spTree>
